--- a/1st 3 Slides.pptx
+++ b/1st 3 Slides.pptx
@@ -5,12 +5,16 @@
     <p:sldMasterId id="2147483696" r:id="rId4"/>
   </p:sldMasterIdLst>
   <p:notesMasterIdLst>
-    <p:notesMasterId r:id="rId8"/>
+    <p:notesMasterId r:id="rId12"/>
   </p:notesMasterIdLst>
   <p:sldIdLst>
     <p:sldId id="285" r:id="rId5"/>
     <p:sldId id="290" r:id="rId6"/>
     <p:sldId id="291" r:id="rId7"/>
+    <p:sldId id="292" r:id="rId8"/>
+    <p:sldId id="293" r:id="rId9"/>
+    <p:sldId id="294" r:id="rId10"/>
+    <p:sldId id="295" r:id="rId11"/>
   </p:sldIdLst>
   <p:sldSz cx="12192000" cy="6858000"/>
   <p:notesSz cx="6858000" cy="9144000"/>
@@ -4257,6 +4261,692 @@
     <p:extLst>
       <p:ext uri="{BB962C8B-B14F-4D97-AF65-F5344CB8AC3E}">
         <p14:creationId xmlns:p14="http://schemas.microsoft.com/office/powerpoint/2010/main" val="1040328144"/>
+      </p:ext>
+    </p:extLst>
+  </p:cSld>
+  <p:clrMapOvr>
+    <a:masterClrMapping/>
+  </p:clrMapOvr>
+</p:sld>
+</file>
+
+<file path=ppt/slides/slide4.xml><?xml version="1.0" encoding="utf-8"?>
+<p:sld xmlns:a="http://schemas.openxmlformats.org/drawingml/2006/main" xmlns:r="http://schemas.openxmlformats.org/officeDocument/2006/relationships" xmlns:p="http://schemas.openxmlformats.org/presentationml/2006/main">
+  <p:cSld>
+    <p:spTree>
+      <p:nvGrpSpPr>
+        <p:cNvPr id="1" name=""/>
+        <p:cNvGrpSpPr/>
+        <p:nvPr/>
+      </p:nvGrpSpPr>
+      <p:grpSpPr>
+        <a:xfrm>
+          <a:off x="0" y="0"/>
+          <a:ext cx="0" cy="0"/>
+          <a:chOff x="0" y="0"/>
+          <a:chExt cx="0" cy="0"/>
+        </a:xfrm>
+      </p:grpSpPr>
+      <p:sp>
+        <p:nvSpPr>
+          <p:cNvPr id="2" name="Title 1">
+            <a:extLst>
+              <a:ext uri="{FF2B5EF4-FFF2-40B4-BE49-F238E27FC236}">
+                <a16:creationId xmlns:a16="http://schemas.microsoft.com/office/drawing/2014/main" id="{DD312162-EA5A-476F-8EC9-84744438B488}"/>
+              </a:ext>
+            </a:extLst>
+          </p:cNvPr>
+          <p:cNvSpPr>
+            <a:spLocks noGrp="1"/>
+          </p:cNvSpPr>
+          <p:nvPr>
+            <p:ph type="title"/>
+          </p:nvPr>
+        </p:nvSpPr>
+        <p:spPr>
+          <a:xfrm>
+            <a:off x="1691640" y="523613"/>
+            <a:ext cx="3486766" cy="1188720"/>
+          </a:xfrm>
+        </p:spPr>
+        <p:txBody>
+          <a:bodyPr/>
+          <a:lstStyle/>
+          <a:p>
+            <a:r>
+              <a:rPr lang="en-IE" dirty="0"/>
+              <a:t>Pillars:</a:t>
+            </a:r>
+          </a:p>
+        </p:txBody>
+      </p:sp>
+      <p:sp>
+        <p:nvSpPr>
+          <p:cNvPr id="3" name="Content Placeholder 2">
+            <a:extLst>
+              <a:ext uri="{FF2B5EF4-FFF2-40B4-BE49-F238E27FC236}">
+                <a16:creationId xmlns:a16="http://schemas.microsoft.com/office/drawing/2014/main" id="{C94883C3-3F5D-45F2-9B6A-D9FBD77629AB}"/>
+              </a:ext>
+            </a:extLst>
+          </p:cNvPr>
+          <p:cNvSpPr>
+            <a:spLocks noGrp="1"/>
+          </p:cNvSpPr>
+          <p:nvPr>
+            <p:ph idx="1"/>
+          </p:nvPr>
+        </p:nvSpPr>
+        <p:spPr>
+          <a:xfrm>
+            <a:off x="650748" y="2496312"/>
+            <a:ext cx="6605016" cy="2420755"/>
+          </a:xfrm>
+        </p:spPr>
+        <p:txBody>
+          <a:bodyPr/>
+          <a:lstStyle/>
+          <a:p>
+            <a:r>
+              <a:rPr lang="en-US" dirty="0"/>
+              <a:t>Uncompromising survival &amp; world exploration with the classic assassination from previous franchises  </a:t>
+            </a:r>
+          </a:p>
+          <a:p>
+            <a:r>
+              <a:rPr lang="en-US" dirty="0"/>
+              <a:t>dark and whimsical visuals in a 3D open world with a space background</a:t>
+            </a:r>
+          </a:p>
+          <a:p>
+            <a:r>
+              <a:rPr lang="en-US" dirty="0"/>
+              <a:t>randomly generated space terrain, 30% travelling through space and terrain 30% crafting new weapons 30% assassinating enemies 10% fun</a:t>
+            </a:r>
+            <a:endParaRPr lang="en-IE" dirty="0"/>
+          </a:p>
+        </p:txBody>
+      </p:sp>
+      <p:pic>
+        <p:nvPicPr>
+          <p:cNvPr id="5" name="Picture 4">
+            <a:extLst>
+              <a:ext uri="{FF2B5EF4-FFF2-40B4-BE49-F238E27FC236}">
+                <a16:creationId xmlns:a16="http://schemas.microsoft.com/office/drawing/2014/main" id="{577CD546-445D-4D51-9FEF-516A09815C03}"/>
+              </a:ext>
+            </a:extLst>
+          </p:cNvPr>
+          <p:cNvPicPr>
+            <a:picLocks noChangeAspect="1"/>
+          </p:cNvPicPr>
+          <p:nvPr/>
+        </p:nvPicPr>
+        <p:blipFill>
+          <a:blip r:embed="rId2"/>
+          <a:stretch>
+            <a:fillRect/>
+          </a:stretch>
+        </p:blipFill>
+        <p:spPr>
+          <a:xfrm>
+            <a:off x="7799834" y="1235642"/>
+            <a:ext cx="3486766" cy="3288653"/>
+          </a:xfrm>
+          <a:prstGeom prst="rect">
+            <a:avLst/>
+          </a:prstGeom>
+        </p:spPr>
+      </p:pic>
+      <p:pic>
+        <p:nvPicPr>
+          <p:cNvPr id="7" name="Picture 6">
+            <a:extLst>
+              <a:ext uri="{FF2B5EF4-FFF2-40B4-BE49-F238E27FC236}">
+                <a16:creationId xmlns:a16="http://schemas.microsoft.com/office/drawing/2014/main" id="{DBCAFE85-1E6C-4E6E-9777-A009A8EA717C}"/>
+              </a:ext>
+            </a:extLst>
+          </p:cNvPr>
+          <p:cNvPicPr>
+            <a:picLocks noChangeAspect="1"/>
+          </p:cNvPicPr>
+          <p:nvPr/>
+        </p:nvPicPr>
+        <p:blipFill>
+          <a:blip r:embed="rId3"/>
+          <a:stretch>
+            <a:fillRect/>
+          </a:stretch>
+        </p:blipFill>
+        <p:spPr>
+          <a:xfrm>
+            <a:off x="4718304" y="4606227"/>
+            <a:ext cx="2743199" cy="1831481"/>
+          </a:xfrm>
+          <a:prstGeom prst="rect">
+            <a:avLst/>
+          </a:prstGeom>
+        </p:spPr>
+      </p:pic>
+    </p:spTree>
+    <p:extLst>
+      <p:ext uri="{BB962C8B-B14F-4D97-AF65-F5344CB8AC3E}">
+        <p14:creationId xmlns:p14="http://schemas.microsoft.com/office/powerpoint/2010/main" val="2121006624"/>
+      </p:ext>
+    </p:extLst>
+  </p:cSld>
+  <p:clrMapOvr>
+    <a:masterClrMapping/>
+  </p:clrMapOvr>
+</p:sld>
+</file>
+
+<file path=ppt/slides/slide5.xml><?xml version="1.0" encoding="utf-8"?>
+<p:sld xmlns:a="http://schemas.openxmlformats.org/drawingml/2006/main" xmlns:r="http://schemas.openxmlformats.org/officeDocument/2006/relationships" xmlns:p="http://schemas.openxmlformats.org/presentationml/2006/main">
+  <p:cSld>
+    <p:spTree>
+      <p:nvGrpSpPr>
+        <p:cNvPr id="1" name=""/>
+        <p:cNvGrpSpPr/>
+        <p:nvPr/>
+      </p:nvGrpSpPr>
+      <p:grpSpPr>
+        <a:xfrm>
+          <a:off x="0" y="0"/>
+          <a:ext cx="0" cy="0"/>
+          <a:chOff x="0" y="0"/>
+          <a:chExt cx="0" cy="0"/>
+        </a:xfrm>
+      </p:grpSpPr>
+      <p:sp>
+        <p:nvSpPr>
+          <p:cNvPr id="2" name="Title 1">
+            <a:extLst>
+              <a:ext uri="{FF2B5EF4-FFF2-40B4-BE49-F238E27FC236}">
+                <a16:creationId xmlns:a16="http://schemas.microsoft.com/office/drawing/2014/main" id="{91EFCB46-77BD-41CE-A751-196EEABCE08D}"/>
+              </a:ext>
+            </a:extLst>
+          </p:cNvPr>
+          <p:cNvSpPr>
+            <a:spLocks noGrp="1"/>
+          </p:cNvSpPr>
+          <p:nvPr>
+            <p:ph type="title"/>
+          </p:nvPr>
+        </p:nvSpPr>
+        <p:spPr>
+          <a:xfrm>
+            <a:off x="1911096" y="644652"/>
+            <a:ext cx="7729728" cy="1188720"/>
+          </a:xfrm>
+        </p:spPr>
+        <p:txBody>
+          <a:bodyPr/>
+          <a:lstStyle/>
+          <a:p>
+            <a:r>
+              <a:rPr lang="en-IE" dirty="0"/>
+              <a:t>Gameplay description :</a:t>
+            </a:r>
+          </a:p>
+        </p:txBody>
+      </p:sp>
+      <p:sp>
+        <p:nvSpPr>
+          <p:cNvPr id="3" name="Content Placeholder 2">
+            <a:extLst>
+              <a:ext uri="{FF2B5EF4-FFF2-40B4-BE49-F238E27FC236}">
+                <a16:creationId xmlns:a16="http://schemas.microsoft.com/office/drawing/2014/main" id="{AFE6D317-F191-4EAB-9DD2-D11666E7824F}"/>
+              </a:ext>
+            </a:extLst>
+          </p:cNvPr>
+          <p:cNvSpPr>
+            <a:spLocks noGrp="1"/>
+          </p:cNvSpPr>
+          <p:nvPr>
+            <p:ph idx="1"/>
+          </p:nvPr>
+        </p:nvSpPr>
+        <p:spPr>
+          <a:xfrm>
+            <a:off x="1088136" y="2820924"/>
+            <a:ext cx="4398264" cy="3195828"/>
+          </a:xfrm>
+        </p:spPr>
+        <p:txBody>
+          <a:bodyPr/>
+          <a:lstStyle/>
+          <a:p>
+            <a:r>
+              <a:rPr lang="en-US" dirty="0"/>
+              <a:t>Gameplay includes traveling trough different worlds in space. it will be a single player game where you</a:t>
+            </a:r>
+          </a:p>
+          <a:p>
+            <a:r>
+              <a:rPr lang="en-US" dirty="0"/>
+              <a:t>Enter a strange and unexplored space full of strange creatures, dangers and surprises. Find and craft new deadly weapons to kill enemies with </a:t>
+            </a:r>
+            <a:endParaRPr lang="en-IE" dirty="0"/>
+          </a:p>
+        </p:txBody>
+      </p:sp>
+      <p:pic>
+        <p:nvPicPr>
+          <p:cNvPr id="4" name="Picture 3">
+            <a:extLst>
+              <a:ext uri="{FF2B5EF4-FFF2-40B4-BE49-F238E27FC236}">
+                <a16:creationId xmlns:a16="http://schemas.microsoft.com/office/drawing/2014/main" id="{C7DAA42F-951C-4064-BF1F-3AE536D9EBDE}"/>
+              </a:ext>
+            </a:extLst>
+          </p:cNvPr>
+          <p:cNvPicPr>
+            <a:picLocks noChangeAspect="1"/>
+          </p:cNvPicPr>
+          <p:nvPr/>
+        </p:nvPicPr>
+        <p:blipFill>
+          <a:blip r:embed="rId2"/>
+          <a:stretch>
+            <a:fillRect/>
+          </a:stretch>
+        </p:blipFill>
+        <p:spPr>
+          <a:xfrm>
+            <a:off x="6364224" y="2452433"/>
+            <a:ext cx="4885944" cy="4013169"/>
+          </a:xfrm>
+          <a:prstGeom prst="rect">
+            <a:avLst/>
+          </a:prstGeom>
+        </p:spPr>
+      </p:pic>
+    </p:spTree>
+    <p:extLst>
+      <p:ext uri="{BB962C8B-B14F-4D97-AF65-F5344CB8AC3E}">
+        <p14:creationId xmlns:p14="http://schemas.microsoft.com/office/powerpoint/2010/main" val="2276333980"/>
+      </p:ext>
+    </p:extLst>
+  </p:cSld>
+  <p:clrMapOvr>
+    <a:masterClrMapping/>
+  </p:clrMapOvr>
+</p:sld>
+</file>
+
+<file path=ppt/slides/slide6.xml><?xml version="1.0" encoding="utf-8"?>
+<p:sld xmlns:a="http://schemas.openxmlformats.org/drawingml/2006/main" xmlns:r="http://schemas.openxmlformats.org/officeDocument/2006/relationships" xmlns:p="http://schemas.openxmlformats.org/presentationml/2006/main">
+  <p:cSld>
+    <p:spTree>
+      <p:nvGrpSpPr>
+        <p:cNvPr id="1" name=""/>
+        <p:cNvGrpSpPr/>
+        <p:nvPr/>
+      </p:nvGrpSpPr>
+      <p:grpSpPr>
+        <a:xfrm>
+          <a:off x="0" y="0"/>
+          <a:ext cx="0" cy="0"/>
+          <a:chOff x="0" y="0"/>
+          <a:chExt cx="0" cy="0"/>
+        </a:xfrm>
+      </p:grpSpPr>
+      <p:sp>
+        <p:nvSpPr>
+          <p:cNvPr id="2" name="Title 1">
+            <a:extLst>
+              <a:ext uri="{FF2B5EF4-FFF2-40B4-BE49-F238E27FC236}">
+                <a16:creationId xmlns:a16="http://schemas.microsoft.com/office/drawing/2014/main" id="{9F6FB953-41BD-4ADE-B746-05E9D9DC1A72}"/>
+              </a:ext>
+            </a:extLst>
+          </p:cNvPr>
+          <p:cNvSpPr>
+            <a:spLocks noGrp="1"/>
+          </p:cNvSpPr>
+          <p:nvPr>
+            <p:ph type="title"/>
+          </p:nvPr>
+        </p:nvSpPr>
+        <p:spPr>
+          <a:xfrm>
+            <a:off x="121186" y="257297"/>
+            <a:ext cx="7729728" cy="1188720"/>
+          </a:xfrm>
+        </p:spPr>
+        <p:txBody>
+          <a:bodyPr/>
+          <a:lstStyle/>
+          <a:p>
+            <a:r>
+              <a:rPr lang="en-IE" dirty="0"/>
+              <a:t>Feature points</a:t>
+            </a:r>
+          </a:p>
+        </p:txBody>
+      </p:sp>
+      <p:sp>
+        <p:nvSpPr>
+          <p:cNvPr id="3" name="Content Placeholder 2">
+            <a:extLst>
+              <a:ext uri="{FF2B5EF4-FFF2-40B4-BE49-F238E27FC236}">
+                <a16:creationId xmlns:a16="http://schemas.microsoft.com/office/drawing/2014/main" id="{8F8232B0-9DA5-429C-AEB6-E3DBAA46034E}"/>
+              </a:ext>
+            </a:extLst>
+          </p:cNvPr>
+          <p:cNvSpPr>
+            <a:spLocks noGrp="1"/>
+          </p:cNvSpPr>
+          <p:nvPr>
+            <p:ph idx="1"/>
+          </p:nvPr>
+        </p:nvSpPr>
+        <p:spPr>
+          <a:xfrm>
+            <a:off x="121186" y="1630198"/>
+            <a:ext cx="7729728" cy="3101983"/>
+          </a:xfrm>
+        </p:spPr>
+        <p:txBody>
+          <a:bodyPr/>
+          <a:lstStyle/>
+          <a:p>
+            <a:r>
+              <a:rPr lang="en-US" dirty="0"/>
+              <a:t>An action </a:t>
+            </a:r>
+            <a:r>
+              <a:rPr lang="en-US" dirty="0" err="1"/>
+              <a:t>rpg</a:t>
+            </a:r>
+            <a:r>
+              <a:rPr lang="en-US" dirty="0"/>
+              <a:t> that is set in a wide environment in space. </a:t>
+            </a:r>
+          </a:p>
+          <a:p>
+            <a:r>
+              <a:rPr lang="en-US" dirty="0"/>
+              <a:t>Instead of fighting in older times on earth- we took the concept and adapted in to a space theme so our player can travel to different planets and assassinate different alien dictators and leaders in order to preserve peace. </a:t>
+            </a:r>
+          </a:p>
+          <a:p>
+            <a:r>
+              <a:rPr lang="en-US" dirty="0"/>
+              <a:t>There will be a focus on anti gravity parkour and free roaming through space and planets.</a:t>
+            </a:r>
+            <a:endParaRPr lang="en-IE" dirty="0"/>
+          </a:p>
+        </p:txBody>
+      </p:sp>
+      <p:pic>
+        <p:nvPicPr>
+          <p:cNvPr id="5" name="Picture 4">
+            <a:extLst>
+              <a:ext uri="{FF2B5EF4-FFF2-40B4-BE49-F238E27FC236}">
+                <a16:creationId xmlns:a16="http://schemas.microsoft.com/office/drawing/2014/main" id="{8DA0F345-5AD9-4900-879D-B3CDE8B5EE5A}"/>
+              </a:ext>
+            </a:extLst>
+          </p:cNvPr>
+          <p:cNvPicPr>
+            <a:picLocks noChangeAspect="1"/>
+          </p:cNvPicPr>
+          <p:nvPr/>
+        </p:nvPicPr>
+        <p:blipFill>
+          <a:blip r:embed="rId2"/>
+          <a:stretch>
+            <a:fillRect/>
+          </a:stretch>
+        </p:blipFill>
+        <p:spPr>
+          <a:xfrm>
+            <a:off x="1935705" y="3749583"/>
+            <a:ext cx="4536460" cy="2553895"/>
+          </a:xfrm>
+          <a:prstGeom prst="rect">
+            <a:avLst/>
+          </a:prstGeom>
+        </p:spPr>
+      </p:pic>
+      <p:pic>
+        <p:nvPicPr>
+          <p:cNvPr id="7" name="Picture 6">
+            <a:extLst>
+              <a:ext uri="{FF2B5EF4-FFF2-40B4-BE49-F238E27FC236}">
+                <a16:creationId xmlns:a16="http://schemas.microsoft.com/office/drawing/2014/main" id="{22B959E4-9F6B-4121-87D6-0C846F9D1772}"/>
+              </a:ext>
+            </a:extLst>
+          </p:cNvPr>
+          <p:cNvPicPr>
+            <a:picLocks noChangeAspect="1"/>
+          </p:cNvPicPr>
+          <p:nvPr/>
+        </p:nvPicPr>
+        <p:blipFill>
+          <a:blip r:embed="rId3"/>
+          <a:stretch>
+            <a:fillRect/>
+          </a:stretch>
+        </p:blipFill>
+        <p:spPr>
+          <a:xfrm>
+            <a:off x="8416777" y="815056"/>
+            <a:ext cx="3048000" cy="2076450"/>
+          </a:xfrm>
+          <a:prstGeom prst="rect">
+            <a:avLst/>
+          </a:prstGeom>
+        </p:spPr>
+      </p:pic>
+      <p:pic>
+        <p:nvPicPr>
+          <p:cNvPr id="9" name="Picture 8">
+            <a:extLst>
+              <a:ext uri="{FF2B5EF4-FFF2-40B4-BE49-F238E27FC236}">
+                <a16:creationId xmlns:a16="http://schemas.microsoft.com/office/drawing/2014/main" id="{CF15199D-071C-4C7B-953C-6F83F3CABE98}"/>
+              </a:ext>
+            </a:extLst>
+          </p:cNvPr>
+          <p:cNvPicPr>
+            <a:picLocks noChangeAspect="1"/>
+          </p:cNvPicPr>
+          <p:nvPr/>
+        </p:nvPicPr>
+        <p:blipFill>
+          <a:blip r:embed="rId4"/>
+          <a:stretch>
+            <a:fillRect/>
+          </a:stretch>
+        </p:blipFill>
+        <p:spPr>
+          <a:xfrm>
+            <a:off x="8124940" y="3798600"/>
+            <a:ext cx="3339837" cy="2504878"/>
+          </a:xfrm>
+          <a:prstGeom prst="rect">
+            <a:avLst/>
+          </a:prstGeom>
+        </p:spPr>
+      </p:pic>
+    </p:spTree>
+    <p:extLst>
+      <p:ext uri="{BB962C8B-B14F-4D97-AF65-F5344CB8AC3E}">
+        <p14:creationId xmlns:p14="http://schemas.microsoft.com/office/powerpoint/2010/main" val="1078311047"/>
+      </p:ext>
+    </p:extLst>
+  </p:cSld>
+  <p:clrMapOvr>
+    <a:masterClrMapping/>
+  </p:clrMapOvr>
+</p:sld>
+</file>
+
+<file path=ppt/slides/slide7.xml><?xml version="1.0" encoding="utf-8"?>
+<p:sld xmlns:a="http://schemas.openxmlformats.org/drawingml/2006/main" xmlns:r="http://schemas.openxmlformats.org/officeDocument/2006/relationships" xmlns:p="http://schemas.openxmlformats.org/presentationml/2006/main">
+  <p:cSld>
+    <p:spTree>
+      <p:nvGrpSpPr>
+        <p:cNvPr id="1" name=""/>
+        <p:cNvGrpSpPr/>
+        <p:nvPr/>
+      </p:nvGrpSpPr>
+      <p:grpSpPr>
+        <a:xfrm>
+          <a:off x="0" y="0"/>
+          <a:ext cx="0" cy="0"/>
+          <a:chOff x="0" y="0"/>
+          <a:chExt cx="0" cy="0"/>
+        </a:xfrm>
+      </p:grpSpPr>
+      <p:sp>
+        <p:nvSpPr>
+          <p:cNvPr id="2" name="Title 1">
+            <a:extLst>
+              <a:ext uri="{FF2B5EF4-FFF2-40B4-BE49-F238E27FC236}">
+                <a16:creationId xmlns:a16="http://schemas.microsoft.com/office/drawing/2014/main" id="{B7B41A86-1635-4EC7-8B14-6B67F34DF98D}"/>
+              </a:ext>
+            </a:extLst>
+          </p:cNvPr>
+          <p:cNvSpPr>
+            <a:spLocks noGrp="1"/>
+          </p:cNvSpPr>
+          <p:nvPr>
+            <p:ph type="title"/>
+          </p:nvPr>
+        </p:nvSpPr>
+        <p:spPr>
+          <a:xfrm>
+            <a:off x="219456" y="160020"/>
+            <a:ext cx="7729728" cy="1188720"/>
+          </a:xfrm>
+        </p:spPr>
+        <p:txBody>
+          <a:bodyPr/>
+          <a:lstStyle/>
+          <a:p>
+            <a:r>
+              <a:rPr lang="en-IE" dirty="0"/>
+              <a:t>Market analysis</a:t>
+            </a:r>
+          </a:p>
+        </p:txBody>
+      </p:sp>
+      <p:sp>
+        <p:nvSpPr>
+          <p:cNvPr id="3" name="Content Placeholder 2">
+            <a:extLst>
+              <a:ext uri="{FF2B5EF4-FFF2-40B4-BE49-F238E27FC236}">
+                <a16:creationId xmlns:a16="http://schemas.microsoft.com/office/drawing/2014/main" id="{A25D189C-BFEB-440A-9599-2FCA289FA5EC}"/>
+              </a:ext>
+            </a:extLst>
+          </p:cNvPr>
+          <p:cNvSpPr>
+            <a:spLocks noGrp="1"/>
+          </p:cNvSpPr>
+          <p:nvPr>
+            <p:ph idx="1"/>
+          </p:nvPr>
+        </p:nvSpPr>
+        <p:spPr>
+          <a:xfrm>
+            <a:off x="219456" y="1696212"/>
+            <a:ext cx="7729728" cy="3101983"/>
+          </a:xfrm>
+        </p:spPr>
+        <p:txBody>
+          <a:bodyPr>
+            <a:normAutofit/>
+          </a:bodyPr>
+          <a:lstStyle/>
+          <a:p>
+            <a:r>
+              <a:rPr lang="en-US" dirty="0"/>
+              <a:t>This game takes elements from popular games like previous Assassins creed games, the Witcher and a space elements similar to what is found in Destiny 2.</a:t>
+            </a:r>
+          </a:p>
+          <a:p>
+            <a:r>
+              <a:rPr lang="en-US" dirty="0"/>
+              <a:t> Our target audience would be teenagers 13+ and young adults, as they will have more freedom to purchase in game items in order to increase our sales profit, the environment is also exciting for this age range. </a:t>
+            </a:r>
+          </a:p>
+          <a:p>
+            <a:r>
+              <a:rPr lang="en-US" dirty="0"/>
+              <a:t>We expect this game to overtake every other Assassin Creed game as the element of space just improves a game tenfold. </a:t>
+            </a:r>
+          </a:p>
+          <a:p>
+            <a:r>
+              <a:rPr lang="en-US" dirty="0"/>
+              <a:t>Our Revenue is expected to be 3 billion as we will also introduce more micro transactions as well as having a price tag of $60.</a:t>
+            </a:r>
+            <a:endParaRPr lang="en-IE" dirty="0"/>
+          </a:p>
+        </p:txBody>
+      </p:sp>
+      <p:pic>
+        <p:nvPicPr>
+          <p:cNvPr id="5" name="Picture 4">
+            <a:extLst>
+              <a:ext uri="{FF2B5EF4-FFF2-40B4-BE49-F238E27FC236}">
+                <a16:creationId xmlns:a16="http://schemas.microsoft.com/office/drawing/2014/main" id="{A8F9D24D-4D84-4ED5-B410-5C8351C2C676}"/>
+              </a:ext>
+            </a:extLst>
+          </p:cNvPr>
+          <p:cNvPicPr>
+            <a:picLocks noChangeAspect="1"/>
+          </p:cNvPicPr>
+          <p:nvPr/>
+        </p:nvPicPr>
+        <p:blipFill>
+          <a:blip r:embed="rId2"/>
+          <a:stretch>
+            <a:fillRect/>
+          </a:stretch>
+        </p:blipFill>
+        <p:spPr>
+          <a:xfrm>
+            <a:off x="8711184" y="438912"/>
+            <a:ext cx="2350008" cy="2350008"/>
+          </a:xfrm>
+          <a:prstGeom prst="rect">
+            <a:avLst/>
+          </a:prstGeom>
+        </p:spPr>
+      </p:pic>
+      <p:pic>
+        <p:nvPicPr>
+          <p:cNvPr id="7" name="Picture 6">
+            <a:extLst>
+              <a:ext uri="{FF2B5EF4-FFF2-40B4-BE49-F238E27FC236}">
+                <a16:creationId xmlns:a16="http://schemas.microsoft.com/office/drawing/2014/main" id="{695DFBE9-8703-43D5-89E4-1E53AAFC88B8}"/>
+              </a:ext>
+            </a:extLst>
+          </p:cNvPr>
+          <p:cNvPicPr>
+            <a:picLocks noChangeAspect="1"/>
+          </p:cNvPicPr>
+          <p:nvPr/>
+        </p:nvPicPr>
+        <p:blipFill>
+          <a:blip r:embed="rId3"/>
+          <a:stretch>
+            <a:fillRect/>
+          </a:stretch>
+        </p:blipFill>
+        <p:spPr>
+          <a:xfrm>
+            <a:off x="8576081" y="3472315"/>
+            <a:ext cx="3180522" cy="2651760"/>
+          </a:xfrm>
+          <a:prstGeom prst="rect">
+            <a:avLst/>
+          </a:prstGeom>
+        </p:spPr>
+      </p:pic>
+    </p:spTree>
+    <p:extLst>
+      <p:ext uri="{BB962C8B-B14F-4D97-AF65-F5344CB8AC3E}">
+        <p14:creationId xmlns:p14="http://schemas.microsoft.com/office/powerpoint/2010/main" val="2752100570"/>
       </p:ext>
     </p:extLst>
   </p:cSld>
@@ -4822,23 +5512,6 @@
 </file>
 
 <file path=customXml/item1.xml><?xml version="1.0" encoding="utf-8"?>
-<p:properties xmlns:p="http://schemas.microsoft.com/office/2006/metadata/properties" xmlns:xsi="http://www.w3.org/2001/XMLSchema-instance" xmlns:pc="http://schemas.microsoft.com/office/infopath/2007/PartnerControls">
-  <documentManagement>
-    <MediaServiceKeyPoints xmlns="71af3243-3dd4-4a8d-8c0d-dd76da1f02a5" xsi:nil="true"/>
-  </documentManagement>
-</p:properties>
-</file>
-
-<file path=customXml/item2.xml><?xml version="1.0" encoding="utf-8"?>
-<?mso-contentType ?>
-<FormTemplates xmlns="http://schemas.microsoft.com/sharepoint/v3/contenttype/forms">
-  <Display>DocumentLibraryForm</Display>
-  <Edit>DocumentLibraryForm</Edit>
-  <New>DocumentLibraryForm</New>
-</FormTemplates>
-</file>
-
-<file path=customXml/item3.xml><?xml version="1.0" encoding="utf-8"?>
 <ct:contentTypeSchema xmlns:ct="http://schemas.microsoft.com/office/2006/metadata/contentType" xmlns:ma="http://schemas.microsoft.com/office/2006/metadata/properties/metaAttributes" ct:_="" ma:_="" ma:contentTypeName="Document" ma:contentTypeID="0x01010079F111ED35F8CC479449609E8A0923A6" ma:contentTypeVersion="11" ma:contentTypeDescription="Create a new document." ma:contentTypeScope="" ma:versionID="9677210f24a1be23c92c90fd886aa0aa">
   <xsd:schema xmlns:xsd="http://www.w3.org/2001/XMLSchema" xmlns:xs="http://www.w3.org/2001/XMLSchema" xmlns:p="http://schemas.microsoft.com/office/2006/metadata/properties" xmlns:ns2="71af3243-3dd4-4a8d-8c0d-dd76da1f02a5" xmlns:ns3="16c05727-aa75-4e4a-9b5f-8a80a1165891" targetNamespace="http://schemas.microsoft.com/office/2006/metadata/properties" ma:root="true" ma:fieldsID="60e05723c5c1908df1a1a4ebf11d344e" ns2:_="" ns3:_="">
     <xsd:import namespace="71af3243-3dd4-4a8d-8c0d-dd76da1f02a5"/>
@@ -5049,32 +5722,24 @@
 </ct:contentTypeSchema>
 </file>
 
-<file path=customXml/itemProps1.xml><?xml version="1.0" encoding="utf-8"?>
-<ds:datastoreItem xmlns:ds="http://schemas.openxmlformats.org/officeDocument/2006/customXml" ds:itemID="{48775A23-75CA-4614-9647-C9B2CE742CA2}">
-  <ds:schemaRefs>
-    <ds:schemaRef ds:uri="71af3243-3dd4-4a8d-8c0d-dd76da1f02a5"/>
-    <ds:schemaRef ds:uri="http://purl.org/dc/elements/1.1/"/>
-    <ds:schemaRef ds:uri="http://www.w3.org/XML/1998/namespace"/>
-    <ds:schemaRef ds:uri="16c05727-aa75-4e4a-9b5f-8a80a1165891"/>
-    <ds:schemaRef ds:uri="http://purl.org/dc/dcmitype/"/>
-    <ds:schemaRef ds:uri="http://schemas.microsoft.com/office/2006/documentManagement/types"/>
-    <ds:schemaRef ds:uri="http://schemas.microsoft.com/office/infopath/2007/PartnerControls"/>
-    <ds:schemaRef ds:uri="http://schemas.openxmlformats.org/package/2006/metadata/core-properties"/>
-    <ds:schemaRef ds:uri="http://schemas.microsoft.com/office/2006/metadata/properties"/>
-    <ds:schemaRef ds:uri="http://purl.org/dc/terms/"/>
-  </ds:schemaRefs>
-</ds:datastoreItem>
+<file path=customXml/item2.xml><?xml version="1.0" encoding="utf-8"?>
+<?mso-contentType ?>
+<FormTemplates xmlns="http://schemas.microsoft.com/sharepoint/v3/contenttype/forms">
+  <Display>DocumentLibraryForm</Display>
+  <Edit>DocumentLibraryForm</Edit>
+  <New>DocumentLibraryForm</New>
+</FormTemplates>
 </file>
 
-<file path=customXml/itemProps2.xml><?xml version="1.0" encoding="utf-8"?>
-<ds:datastoreItem xmlns:ds="http://schemas.openxmlformats.org/officeDocument/2006/customXml" ds:itemID="{8A451F4C-A3A1-4FF3-AEA5-AE3EFF175B02}">
-  <ds:schemaRefs>
-    <ds:schemaRef ds:uri="http://schemas.microsoft.com/sharepoint/v3/contenttype/forms"/>
-  </ds:schemaRefs>
-</ds:datastoreItem>
+<file path=customXml/item3.xml><?xml version="1.0" encoding="utf-8"?>
+<p:properties xmlns:p="http://schemas.microsoft.com/office/2006/metadata/properties" xmlns:xsi="http://www.w3.org/2001/XMLSchema-instance" xmlns:pc="http://schemas.microsoft.com/office/infopath/2007/PartnerControls">
+  <documentManagement>
+    <MediaServiceKeyPoints xmlns="71af3243-3dd4-4a8d-8c0d-dd76da1f02a5" xsi:nil="true"/>
+  </documentManagement>
+</p:properties>
 </file>
 
-<file path=customXml/itemProps3.xml><?xml version="1.0" encoding="utf-8"?>
+<file path=customXml/itemProps1.xml><?xml version="1.0" encoding="utf-8"?>
 <ds:datastoreItem xmlns:ds="http://schemas.openxmlformats.org/officeDocument/2006/customXml" ds:itemID="{F009F5EF-575C-40E7-A9C5-EC1F2A554864}">
   <ds:schemaRefs>
     <ds:schemaRef ds:uri="http://schemas.microsoft.com/office/2006/metadata/contentType"/>
@@ -5091,4 +5756,29 @@
     <ds:schemaRef ds:uri="http://schemas.microsoft.com/internal/obd"/>
   </ds:schemaRefs>
 </ds:datastoreItem>
+</file>
+
+<file path=customXml/itemProps2.xml><?xml version="1.0" encoding="utf-8"?>
+<ds:datastoreItem xmlns:ds="http://schemas.openxmlformats.org/officeDocument/2006/customXml" ds:itemID="{8A451F4C-A3A1-4FF3-AEA5-AE3EFF175B02}">
+  <ds:schemaRefs>
+    <ds:schemaRef ds:uri="http://schemas.microsoft.com/sharepoint/v3/contenttype/forms"/>
+  </ds:schemaRefs>
+</ds:datastoreItem>
+</file>
+
+<file path=customXml/itemProps3.xml><?xml version="1.0" encoding="utf-8"?>
+<ds:datastoreItem xmlns:ds="http://schemas.openxmlformats.org/officeDocument/2006/customXml" ds:itemID="{48775A23-75CA-4614-9647-C9B2CE742CA2}">
+  <ds:schemaRefs>
+    <ds:schemaRef ds:uri="71af3243-3dd4-4a8d-8c0d-dd76da1f02a5"/>
+    <ds:schemaRef ds:uri="http://purl.org/dc/elements/1.1/"/>
+    <ds:schemaRef ds:uri="http://www.w3.org/XML/1998/namespace"/>
+    <ds:schemaRef ds:uri="16c05727-aa75-4e4a-9b5f-8a80a1165891"/>
+    <ds:schemaRef ds:uri="http://purl.org/dc/dcmitype/"/>
+    <ds:schemaRef ds:uri="http://schemas.microsoft.com/office/2006/documentManagement/types"/>
+    <ds:schemaRef ds:uri="http://schemas.microsoft.com/office/infopath/2007/PartnerControls"/>
+    <ds:schemaRef ds:uri="http://schemas.openxmlformats.org/package/2006/metadata/core-properties"/>
+    <ds:schemaRef ds:uri="http://schemas.microsoft.com/office/2006/metadata/properties"/>
+    <ds:schemaRef ds:uri="http://purl.org/dc/terms/"/>
+  </ds:schemaRefs>
+</ds:datastoreItem>
 </file>